--- a/GNSS Measurement Engine System Design - Communication Engineering Perspective R3.pptx
+++ b/GNSS Measurement Engine System Design - Communication Engineering Perspective R3.pptx
@@ -241,7 +241,7 @@
           <a:p>
             <a:fld id="{AC93A1D3-882B-334E-958F-DFA464F4FBE5}" type="datetimeFigureOut">
               <a:rPr lang="en-US" smtClean="0"/>
-              <a:t>6/26/19</a:t>
+              <a:t>6/27/19</a:t>
             </a:fld>
             <a:endParaRPr lang="en-US"/>
           </a:p>
@@ -889,7 +889,7 @@
             </a:pPr>
             <a:fld id="{BA743884-2391-4C46-8055-DFD5D47EAACD}" type="datetime1">
               <a:rPr lang="en-US" smtClean="0"/>
-              <a:t>6/26/19</a:t>
+              <a:t>6/27/19</a:t>
             </a:fld>
             <a:endParaRPr lang="en-US"/>
           </a:p>
@@ -1297,7 +1297,7 @@
             </a:pPr>
             <a:fld id="{BC465BD7-E15B-3B44-B948-4877ADFB0D69}" type="datetime1">
               <a:rPr lang="en-US" smtClean="0"/>
-              <a:t>6/26/19</a:t>
+              <a:t>6/27/19</a:t>
             </a:fld>
             <a:endParaRPr lang="en-US"/>
           </a:p>
@@ -1648,7 +1648,7 @@
             </a:pPr>
             <a:fld id="{60E9468D-289D-7548-8459-A0A2FC4FDCCA}" type="datetime1">
               <a:rPr lang="en-US" smtClean="0"/>
-              <a:t>6/26/19</a:t>
+              <a:t>6/27/19</a:t>
             </a:fld>
             <a:endParaRPr lang="en-US"/>
           </a:p>
@@ -2303,7 +2303,7 @@
             </a:pPr>
             <a:fld id="{FBBA4DBE-891F-7E45-97F3-5B0D289B15FC}" type="datetime1">
               <a:rPr lang="en-US" smtClean="0"/>
-              <a:t>6/26/19</a:t>
+              <a:t>6/27/19</a:t>
             </a:fld>
             <a:endParaRPr lang="en-US"/>
           </a:p>
@@ -2654,7 +2654,7 @@
             </a:pPr>
             <a:fld id="{EAE5CCE5-B8C5-1342-A43D-1F62384242FB}" type="datetime1">
               <a:rPr lang="en-US" smtClean="0"/>
-              <a:t>6/26/19</a:t>
+              <a:t>6/27/19</a:t>
             </a:fld>
             <a:endParaRPr lang="en-US"/>
           </a:p>
@@ -3298,7 +3298,7 @@
             </a:pPr>
             <a:fld id="{BE76FC2A-85A6-9446-B5C4-7C27E024B2E8}" type="datetime1">
               <a:rPr lang="en-US" smtClean="0"/>
-              <a:t>6/26/19</a:t>
+              <a:t>6/27/19</a:t>
             </a:fld>
             <a:endParaRPr lang="en-US"/>
           </a:p>
@@ -3693,7 +3693,7 @@
             </a:pPr>
             <a:fld id="{D9A077EC-2E42-3F4E-B5D6-ED593EAC75EB}" type="datetime1">
               <a:rPr lang="en-US" smtClean="0"/>
-              <a:t>6/26/19</a:t>
+              <a:t>6/27/19</a:t>
             </a:fld>
             <a:endParaRPr lang="en-US"/>
           </a:p>
@@ -3973,7 +3973,7 @@
             </a:pPr>
             <a:fld id="{46DCFFF6-F8F7-3743-9EAB-D44DAD05ACAC}" type="datetime1">
               <a:rPr lang="en-US" smtClean="0"/>
-              <a:t>6/26/19</a:t>
+              <a:t>6/27/19</a:t>
             </a:fld>
             <a:endParaRPr lang="en-US"/>
           </a:p>
@@ -4258,7 +4258,7 @@
             </a:pPr>
             <a:fld id="{3522880B-6FF4-1E4B-BEF8-6B712953256E}" type="datetime1">
               <a:rPr lang="en-US" smtClean="0"/>
-              <a:t>6/26/19</a:t>
+              <a:t>6/27/19</a:t>
             </a:fld>
             <a:endParaRPr lang="en-US"/>
           </a:p>
@@ -4533,7 +4533,7 @@
             </a:pPr>
             <a:fld id="{227011D7-A8D9-1E41-B850-DBDA6F43E50D}" type="datetime1">
               <a:rPr lang="en-US" smtClean="0"/>
-              <a:t>6/26/19</a:t>
+              <a:t>6/27/19</a:t>
             </a:fld>
             <a:endParaRPr lang="en-US"/>
           </a:p>
@@ -4884,7 +4884,7 @@
             </a:pPr>
             <a:fld id="{7113C28D-6655-2F48-BFEC-279F3EF40446}" type="datetime1">
               <a:rPr lang="en-US" smtClean="0"/>
-              <a:t>6/26/19</a:t>
+              <a:t>6/27/19</a:t>
             </a:fld>
             <a:endParaRPr lang="en-US"/>
           </a:p>
@@ -5225,7 +5225,7 @@
             </a:pPr>
             <a:fld id="{04ECE6C3-0FE9-9748-8FE6-CCE51427322D}" type="datetime1">
               <a:rPr lang="en-US" smtClean="0"/>
-              <a:t>6/26/19</a:t>
+              <a:t>6/27/19</a:t>
             </a:fld>
             <a:endParaRPr lang="en-US"/>
           </a:p>
@@ -5644,7 +5644,7 @@
             </a:pPr>
             <a:fld id="{8CA347B5-5843-E04D-A138-C4ECD3078E09}" type="datetime1">
               <a:rPr lang="en-US" smtClean="0"/>
-              <a:t>6/26/19</a:t>
+              <a:t>6/27/19</a:t>
             </a:fld>
             <a:endParaRPr lang="en-US"/>
           </a:p>
@@ -5867,7 +5867,7 @@
             </a:pPr>
             <a:fld id="{62259AD2-D40F-F341-AD80-5088D5219A85}" type="datetime1">
               <a:rPr lang="en-US" smtClean="0"/>
-              <a:t>6/26/19</a:t>
+              <a:t>6/27/19</a:t>
             </a:fld>
             <a:endParaRPr lang="en-US"/>
           </a:p>
@@ -6067,7 +6067,7 @@
             </a:pPr>
             <a:fld id="{84B01DDD-1F84-E245-862B-9AE3828B44CF}" type="datetime1">
               <a:rPr lang="en-US" smtClean="0"/>
-              <a:t>6/26/19</a:t>
+              <a:t>6/27/19</a:t>
             </a:fld>
             <a:endParaRPr lang="en-US"/>
           </a:p>
@@ -6425,7 +6425,7 @@
             </a:pPr>
             <a:fld id="{32DB8F23-91DF-A040-A8DC-7B2E57115B85}" type="datetime1">
               <a:rPr lang="en-US" smtClean="0"/>
-              <a:t>6/26/19</a:t>
+              <a:t>6/27/19</a:t>
             </a:fld>
             <a:endParaRPr lang="en-US"/>
           </a:p>
@@ -6823,7 +6823,7 @@
             </a:pPr>
             <a:fld id="{2016DD82-D0B3-CA45-ADAF-5D381AC3E3E1}" type="datetime1">
               <a:rPr lang="en-US" smtClean="0"/>
-              <a:t>6/26/19</a:t>
+              <a:t>6/27/19</a:t>
             </a:fld>
             <a:endParaRPr lang="en-US"/>
           </a:p>
@@ -7127,7 +7127,7 @@
             </a:pPr>
             <a:fld id="{B7EF8CEB-AFBD-BA41-A8DF-ADB061003A04}" type="datetime1">
               <a:rPr lang="en-US" smtClean="0"/>
-              <a:t>6/26/19</a:t>
+              <a:t>6/27/19</a:t>
             </a:fld>
             <a:endParaRPr lang="en-US"/>
           </a:p>
@@ -7732,7 +7732,7 @@
             </a:pPr>
             <a:r>
               <a:rPr lang="en-US" altLang="zh-CN" b="1" dirty="0"/>
-              <a:t>GNSS Measurement Engine:  Communication Engineering Perspectives</a:t>
+              <a:t>GNSS Measurement Engine System Design:  Communication Engineering Perspectives</a:t>
             </a:r>
             <a:endParaRPr lang="en-US" b="1" dirty="0"/>
           </a:p>
@@ -10330,14 +10330,14 @@
             <a:effectLst/>
             <a:extLst>
               <a:ext uri="{909E8E84-426E-40dd-AFC4-6F175D3DCCD1}">
-                <a14:hiddenFill xmlns:lc="http://schemas.openxmlformats.org/drawingml/2006/lockedCanvas" xmlns:a14="http://schemas.microsoft.com/office/drawing/2010/main" xmlns:xdr="http://schemas.openxmlformats.org/drawingml/2006/spreadsheetDrawing" xmlns="">
+                <a14:hiddenFill xmlns="" xmlns:xdr="http://schemas.openxmlformats.org/drawingml/2006/spreadsheetDrawing" xmlns:a14="http://schemas.microsoft.com/office/drawing/2010/main" xmlns:lc="http://schemas.openxmlformats.org/drawingml/2006/lockedCanvas">
                   <a:solidFill>
                     <a:schemeClr val="accent1"/>
                   </a:solidFill>
                 </a14:hiddenFill>
               </a:ext>
               <a:ext uri="{91240B29-F687-4f45-9708-019B960494DF}">
-                <a14:hiddenLine xmlns:lc="http://schemas.openxmlformats.org/drawingml/2006/lockedCanvas" xmlns:a14="http://schemas.microsoft.com/office/drawing/2010/main" xmlns:xdr="http://schemas.openxmlformats.org/drawingml/2006/spreadsheetDrawing" xmlns="" w="9525">
+                <a14:hiddenLine xmlns="" xmlns:xdr="http://schemas.openxmlformats.org/drawingml/2006/spreadsheetDrawing" xmlns:a14="http://schemas.microsoft.com/office/drawing/2010/main" xmlns:lc="http://schemas.openxmlformats.org/drawingml/2006/lockedCanvas" w="9525">
                   <a:solidFill>
                     <a:schemeClr val="tx1"/>
                   </a:solidFill>
@@ -10347,7 +10347,7 @@
                 </a14:hiddenLine>
               </a:ext>
               <a:ext uri="{AF507438-7753-43e0-B8FC-AC1667EBCBE1}">
-                <a14:hiddenEffects xmlns:lc="http://schemas.openxmlformats.org/drawingml/2006/lockedCanvas" xmlns:a14="http://schemas.microsoft.com/office/drawing/2010/main" xmlns:xdr="http://schemas.openxmlformats.org/drawingml/2006/spreadsheetDrawing" xmlns="">
+                <a14:hiddenEffects xmlns="" xmlns:xdr="http://schemas.openxmlformats.org/drawingml/2006/spreadsheetDrawing" xmlns:a14="http://schemas.microsoft.com/office/drawing/2010/main" xmlns:lc="http://schemas.openxmlformats.org/drawingml/2006/lockedCanvas">
                   <a:effectLst>
                     <a:outerShdw dist="35921" dir="2700000" algn="ctr" rotWithShape="0">
                       <a:schemeClr val="bg2"/>
@@ -13408,13 +13408,13 @@
         </p:spPr>
         <p:txBody>
           <a:bodyPr>
-            <a:normAutofit fontScale="90000"/>
+            <a:normAutofit/>
           </a:bodyPr>
           <a:lstStyle/>
           <a:p>
             <a:r>
               <a:rPr lang="en-US" sz="3200" b="1" dirty="0"/>
-              <a:t>Several key GNSS Measurement Engine Design Parameters: Communication System Engineering Perspectives</a:t>
+              <a:t>key GNSS Measurement Engine Design Parameters</a:t>
             </a:r>
           </a:p>
         </p:txBody>
@@ -14552,7 +14552,7 @@
           <a:p>
             <a:r>
               <a:rPr lang="en-US" sz="2800" b="1" dirty="0"/>
-              <a:t>GNSS Measurement Engine Design: A Signal Processing Perspective</a:t>
+              <a:t>GNSS Measurement Engine: A Signal Processing Perspective</a:t>
             </a:r>
             <a:br>
               <a:rPr lang="en-US" sz="2800" b="1" dirty="0"/>
